--- a/flowchart.pptx
+++ b/flowchart.pptx
@@ -3927,7 +3927,7 @@
         </p:nvSpPr>
         <p:spPr>
           <a:xfrm>
-            <a:off x="1676400" y="457200"/>
+            <a:off x="1600200" y="457200"/>
             <a:ext cx="1905000" cy="990600"/>
           </a:xfrm>
           <a:prstGeom prst="rect">
@@ -4225,6 +4225,47 @@
             <a:r>
               <a:rPr lang="nl-NL" sz="1200" dirty="0" smtClean="0"/>
               <a:t>Verantwoordelijke RU</a:t>
+            </a:r>
+            <a:endParaRPr lang="en-US" sz="1200" dirty="0"/>
+          </a:p>
+        </p:txBody>
+      </p:sp>
+      <p:sp>
+        <p:nvSpPr>
+          <p:cNvPr id="32" name="Rectangle 31"/>
+          <p:cNvSpPr/>
+          <p:nvPr/>
+        </p:nvSpPr>
+        <p:spPr>
+          <a:xfrm>
+            <a:off x="304800" y="4724400"/>
+            <a:ext cx="2209800" cy="830997"/>
+          </a:xfrm>
+          <a:prstGeom prst="rect">
+            <a:avLst/>
+          </a:prstGeom>
+        </p:spPr>
+        <p:txBody>
+          <a:bodyPr wrap="square">
+            <a:spAutoFit/>
+          </a:bodyPr>
+          <a:lstStyle/>
+          <a:p>
+            <a:r>
+              <a:rPr lang="nl-NL" sz="1200" dirty="0" smtClean="0"/>
+              <a:t>Server staat in  domein </a:t>
+            </a:r>
+          </a:p>
+          <a:p>
+            <a:r>
+              <a:rPr lang="nl-NL" sz="1200" dirty="0" smtClean="0"/>
+              <a:t>Firewall staat aan</a:t>
+            </a:r>
+          </a:p>
+          <a:p>
+            <a:r>
+              <a:rPr lang="nl-NL" sz="1200" dirty="0" smtClean="0"/>
+              <a:t>Toegang buiten de RU alleen via VPN verbinding</a:t>
             </a:r>
             <a:endParaRPr lang="en-US" sz="1200" dirty="0"/>
           </a:p>
@@ -4309,11 +4350,7 @@
             </a:r>
             <a:r>
               <a:rPr lang="nl-NL" sz="1800" dirty="0" smtClean="0"/>
-              <a:t> opgevraagd. Documentatie van het protocol is gewenst</a:t>
-            </a:r>
-            <a:r>
-              <a:rPr lang="nl-NL" sz="1800" dirty="0" smtClean="0"/>
-              <a:t>.</a:t>
+              <a:t> opgevraagd. Documentatie van het protocol is gewenst.</a:t>
             </a:r>
           </a:p>
           <a:p>
@@ -4321,7 +4358,6 @@
               <a:rPr lang="nl-NL" sz="1800" dirty="0" smtClean="0"/>
               <a:t>Gaat het uitvragen van de LDAP via een versleutelde  gegevensoverdracht?</a:t>
             </a:r>
-            <a:endParaRPr lang="nl-NL" sz="1800" dirty="0" smtClean="0"/>
           </a:p>
           <a:p>
             <a:r>
